--- a/Lab1/WeatherStationArchitecture-36FB8F6A.pptx
+++ b/Lab1/WeatherStationArchitecture-36FB8F6A.pptx
@@ -6,6 +6,7 @@
   </p:sldMasterIdLst>
   <p:sldIdLst>
     <p:sldId id="256" r:id="rId5"/>
+    <p:sldId id="257" r:id="rId6"/>
   </p:sldIdLst>
   <p:sldSz cx="12192000" cy="6858000"/>
   <p:notesSz cx="6858000" cy="9144000"/>
@@ -259,7 +260,7 @@
           <a:p>
             <a:fld id="{908C5222-F6C4-44D6-B506-534DE5EE0EC4}" type="datetimeFigureOut">
               <a:rPr lang="de-DE" smtClean="0"/>
-              <a:t>15.11.2019</a:t>
+              <a:t>29.11.2019</a:t>
             </a:fld>
             <a:endParaRPr lang="de-DE"/>
           </a:p>
@@ -457,7 +458,7 @@
           <a:p>
             <a:fld id="{908C5222-F6C4-44D6-B506-534DE5EE0EC4}" type="datetimeFigureOut">
               <a:rPr lang="de-DE" smtClean="0"/>
-              <a:t>15.11.2019</a:t>
+              <a:t>29.11.2019</a:t>
             </a:fld>
             <a:endParaRPr lang="de-DE"/>
           </a:p>
@@ -665,7 +666,7 @@
           <a:p>
             <a:fld id="{908C5222-F6C4-44D6-B506-534DE5EE0EC4}" type="datetimeFigureOut">
               <a:rPr lang="de-DE" smtClean="0"/>
-              <a:t>15.11.2019</a:t>
+              <a:t>29.11.2019</a:t>
             </a:fld>
             <a:endParaRPr lang="de-DE"/>
           </a:p>
@@ -863,7 +864,7 @@
           <a:p>
             <a:fld id="{908C5222-F6C4-44D6-B506-534DE5EE0EC4}" type="datetimeFigureOut">
               <a:rPr lang="de-DE" smtClean="0"/>
-              <a:t>15.11.2019</a:t>
+              <a:t>29.11.2019</a:t>
             </a:fld>
             <a:endParaRPr lang="de-DE"/>
           </a:p>
@@ -1138,7 +1139,7 @@
           <a:p>
             <a:fld id="{908C5222-F6C4-44D6-B506-534DE5EE0EC4}" type="datetimeFigureOut">
               <a:rPr lang="de-DE" smtClean="0"/>
-              <a:t>15.11.2019</a:t>
+              <a:t>29.11.2019</a:t>
             </a:fld>
             <a:endParaRPr lang="de-DE"/>
           </a:p>
@@ -1403,7 +1404,7 @@
           <a:p>
             <a:fld id="{908C5222-F6C4-44D6-B506-534DE5EE0EC4}" type="datetimeFigureOut">
               <a:rPr lang="de-DE" smtClean="0"/>
-              <a:t>15.11.2019</a:t>
+              <a:t>29.11.2019</a:t>
             </a:fld>
             <a:endParaRPr lang="de-DE"/>
           </a:p>
@@ -1815,7 +1816,7 @@
           <a:p>
             <a:fld id="{908C5222-F6C4-44D6-B506-534DE5EE0EC4}" type="datetimeFigureOut">
               <a:rPr lang="de-DE" smtClean="0"/>
-              <a:t>15.11.2019</a:t>
+              <a:t>29.11.2019</a:t>
             </a:fld>
             <a:endParaRPr lang="de-DE"/>
           </a:p>
@@ -1956,7 +1957,7 @@
           <a:p>
             <a:fld id="{908C5222-F6C4-44D6-B506-534DE5EE0EC4}" type="datetimeFigureOut">
               <a:rPr lang="de-DE" smtClean="0"/>
-              <a:t>15.11.2019</a:t>
+              <a:t>29.11.2019</a:t>
             </a:fld>
             <a:endParaRPr lang="de-DE"/>
           </a:p>
@@ -2069,7 +2070,7 @@
           <a:p>
             <a:fld id="{908C5222-F6C4-44D6-B506-534DE5EE0EC4}" type="datetimeFigureOut">
               <a:rPr lang="de-DE" smtClean="0"/>
-              <a:t>15.11.2019</a:t>
+              <a:t>29.11.2019</a:t>
             </a:fld>
             <a:endParaRPr lang="de-DE"/>
           </a:p>
@@ -2380,7 +2381,7 @@
           <a:p>
             <a:fld id="{908C5222-F6C4-44D6-B506-534DE5EE0EC4}" type="datetimeFigureOut">
               <a:rPr lang="de-DE" smtClean="0"/>
-              <a:t>15.11.2019</a:t>
+              <a:t>29.11.2019</a:t>
             </a:fld>
             <a:endParaRPr lang="de-DE"/>
           </a:p>
@@ -2668,7 +2669,7 @@
           <a:p>
             <a:fld id="{908C5222-F6C4-44D6-B506-534DE5EE0EC4}" type="datetimeFigureOut">
               <a:rPr lang="de-DE" smtClean="0"/>
-              <a:t>15.11.2019</a:t>
+              <a:t>29.11.2019</a:t>
             </a:fld>
             <a:endParaRPr lang="de-DE"/>
           </a:p>
@@ -2909,7 +2910,7 @@
           <a:p>
             <a:fld id="{908C5222-F6C4-44D6-B506-534DE5EE0EC4}" type="datetimeFigureOut">
               <a:rPr lang="de-DE" smtClean="0"/>
-              <a:t>15.11.2019</a:t>
+              <a:t>29.11.2019</a:t>
             </a:fld>
             <a:endParaRPr lang="de-DE"/>
           </a:p>
@@ -3629,22 +3630,22 @@
           <a:p>
             <a:pPr algn="ctr"/>
             <a:r>
-              <a:rPr lang="de-DE" dirty="0" err="1"/>
+              <a:rPr lang="de-DE" sz="1600" dirty="0" err="1"/>
               <a:t>Weather</a:t>
             </a:r>
-            <a:endParaRPr lang="de-DE" dirty="0"/>
+            <a:endParaRPr lang="de-DE" sz="1600" dirty="0"/>
           </a:p>
           <a:p>
             <a:pPr algn="ctr"/>
             <a:r>
-              <a:rPr lang="de-DE" dirty="0"/>
+              <a:rPr lang="de-DE" sz="1600" dirty="0"/>
               <a:t>Station</a:t>
             </a:r>
           </a:p>
           <a:p>
             <a:pPr algn="ctr"/>
             <a:r>
-              <a:rPr lang="de-DE" dirty="0"/>
+              <a:rPr lang="de-DE" sz="1400" dirty="0"/>
               <a:t>(IoT Device)</a:t>
             </a:r>
           </a:p>
@@ -3920,7 +3921,7 @@
           <a:p>
             <a:pPr algn="ctr"/>
             <a:r>
-              <a:rPr lang="de-DE" dirty="0"/>
+              <a:rPr lang="de-DE" sz="1400" dirty="0"/>
               <a:t>(IoT Hub)</a:t>
             </a:r>
           </a:p>
@@ -3969,8 +3970,12 @@
           <a:p>
             <a:pPr algn="ctr"/>
             <a:r>
-              <a:rPr lang="de-DE" dirty="0"/>
-              <a:t>Stream Processing (Stream Analytics)</a:t>
+              <a:rPr lang="de-DE" sz="1600" dirty="0"/>
+              <a:t>Stream Processing </a:t>
+            </a:r>
+            <a:r>
+              <a:rPr lang="de-DE" sz="1400" dirty="0"/>
+              <a:t>(Stream Analytics)</a:t>
             </a:r>
           </a:p>
         </p:txBody>
@@ -4018,29 +4023,29 @@
           <a:p>
             <a:pPr algn="ctr"/>
             <a:r>
-              <a:rPr lang="de-DE" dirty="0"/>
+              <a:rPr lang="de-DE" sz="1600" dirty="0"/>
               <a:t>Device Twin</a:t>
             </a:r>
           </a:p>
           <a:p>
             <a:pPr algn="ctr"/>
             <a:r>
-              <a:rPr lang="de-DE" dirty="0"/>
+              <a:rPr lang="de-DE" sz="1600" dirty="0"/>
               <a:t>Update</a:t>
             </a:r>
           </a:p>
           <a:p>
             <a:pPr algn="ctr"/>
             <a:r>
-              <a:rPr lang="de-DE" dirty="0"/>
+              <a:rPr lang="de-DE" sz="1400" dirty="0"/>
               <a:t>(</a:t>
             </a:r>
             <a:r>
-              <a:rPr lang="de-DE" dirty="0" err="1"/>
+              <a:rPr lang="de-DE" sz="1400" dirty="0" err="1"/>
               <a:t>Function</a:t>
             </a:r>
             <a:r>
-              <a:rPr lang="de-DE" dirty="0"/>
+              <a:rPr lang="de-DE" sz="1400" dirty="0"/>
               <a:t> App)</a:t>
             </a:r>
           </a:p>
@@ -4060,8 +4065,8 @@
         </p:nvSpPr>
         <p:spPr>
           <a:xfrm>
-            <a:off x="5717100" y="2198875"/>
-            <a:ext cx="1353671" cy="1501026"/>
+            <a:off x="5367898" y="2164836"/>
+            <a:ext cx="1079404" cy="1307461"/>
           </a:xfrm>
           <a:prstGeom prst="can">
             <a:avLst/>
@@ -4089,21 +4094,21 @@
           <a:p>
             <a:pPr algn="ctr"/>
             <a:r>
-              <a:rPr lang="de-DE" dirty="0"/>
+              <a:rPr lang="de-DE" sz="1600" dirty="0"/>
               <a:t>Cold Path</a:t>
             </a:r>
           </a:p>
           <a:p>
             <a:pPr algn="ctr"/>
             <a:r>
-              <a:rPr lang="de-DE" dirty="0"/>
+              <a:rPr lang="de-DE" sz="1600" dirty="0"/>
               <a:t>Storage</a:t>
             </a:r>
           </a:p>
           <a:p>
             <a:pPr algn="ctr"/>
             <a:r>
-              <a:rPr lang="de-DE" dirty="0"/>
+              <a:rPr lang="de-DE" sz="1200" dirty="0"/>
               <a:t>(Data Lake Store)</a:t>
             </a:r>
           </a:p>
@@ -4123,8 +4128,8 @@
         </p:nvSpPr>
         <p:spPr>
           <a:xfrm>
-            <a:off x="5770467" y="3898385"/>
-            <a:ext cx="1246935" cy="1237129"/>
+            <a:off x="5007896" y="3909016"/>
+            <a:ext cx="1799408" cy="1048483"/>
           </a:xfrm>
           <a:prstGeom prst="rect">
             <a:avLst/>
@@ -4152,23 +4157,23 @@
           <a:p>
             <a:pPr algn="ctr"/>
             <a:r>
-              <a:rPr lang="de-DE" dirty="0" err="1"/>
+              <a:rPr lang="de-DE" sz="1600" dirty="0" err="1"/>
               <a:t>Calculate</a:t>
             </a:r>
             <a:r>
-              <a:rPr lang="de-DE" dirty="0"/>
+              <a:rPr lang="de-DE" sz="1600" dirty="0"/>
               <a:t> </a:t>
             </a:r>
             <a:r>
-              <a:rPr lang="de-DE" dirty="0" err="1"/>
+              <a:rPr lang="de-DE" sz="1600" dirty="0" err="1"/>
               <a:t>Averange</a:t>
             </a:r>
-            <a:endParaRPr lang="de-DE" dirty="0"/>
+            <a:endParaRPr lang="de-DE" sz="1600" dirty="0"/>
           </a:p>
           <a:p>
             <a:pPr algn="ctr"/>
             <a:r>
-              <a:rPr lang="de-DE" dirty="0"/>
+              <a:rPr lang="de-DE" sz="1400" dirty="0"/>
               <a:t>(Data Lake Analytics)</a:t>
             </a:r>
           </a:p>
@@ -4375,9 +4380,9 @@
           <p:nvPr/>
         </p:nvCxnSpPr>
         <p:spPr>
-          <a:xfrm flipH="1">
-            <a:off x="6393935" y="3699901"/>
-            <a:ext cx="1" cy="198484"/>
+          <a:xfrm>
+            <a:off x="5907600" y="3472297"/>
+            <a:ext cx="0" cy="436719"/>
           </a:xfrm>
           <a:prstGeom prst="straightConnector1">
             <a:avLst/>
@@ -4416,14 +4421,13 @@
           </p:cNvPr>
           <p:cNvCxnSpPr>
             <a:cxnSpLocks/>
-            <a:endCxn id="18" idx="1"/>
           </p:cNvCxnSpPr>
           <p:nvPr/>
         </p:nvCxnSpPr>
         <p:spPr>
           <a:xfrm rot="10800000" flipV="1">
-            <a:off x="6393936" y="2047313"/>
-            <a:ext cx="1013710" cy="151562"/>
+            <a:off x="5907600" y="1786778"/>
+            <a:ext cx="876579" cy="345126"/>
           </a:xfrm>
           <a:prstGeom prst="bentConnector2">
             <a:avLst/>
@@ -4464,7 +4468,7 @@
         </p:nvSpPr>
         <p:spPr>
           <a:xfrm>
-            <a:off x="1851987" y="509539"/>
+            <a:off x="1771515" y="509539"/>
             <a:ext cx="1311038" cy="769441"/>
           </a:xfrm>
           <a:prstGeom prst="rect">
@@ -4478,6 +4482,7 @@
           </a:bodyPr>
           <a:lstStyle/>
           <a:p>
+            <a:pPr algn="ctr"/>
             <a:r>
               <a:rPr lang="de-DE" sz="1100" dirty="0"/>
               <a:t>Send </a:t>
@@ -4547,7 +4552,7 @@
         </p:nvSpPr>
         <p:spPr>
           <a:xfrm>
-            <a:off x="1850539" y="1435100"/>
+            <a:off x="1871311" y="1574620"/>
             <a:ext cx="1067473" cy="769441"/>
           </a:xfrm>
           <a:prstGeom prst="rect">
@@ -4561,6 +4566,7 @@
           </a:bodyPr>
           <a:lstStyle/>
           <a:p>
+            <a:pPr algn="ctr"/>
             <a:r>
               <a:rPr lang="de-DE" sz="1100" dirty="0"/>
               <a:t>Send Data </a:t>
@@ -4606,7 +4612,7 @@
         </p:nvSpPr>
         <p:spPr>
           <a:xfrm>
-            <a:off x="6567345" y="2015751"/>
+            <a:off x="6007261" y="1802170"/>
             <a:ext cx="933590" cy="261610"/>
           </a:xfrm>
           <a:prstGeom prst="rect">
@@ -4641,8 +4647,8 @@
         </p:nvSpPr>
         <p:spPr>
           <a:xfrm>
-            <a:off x="8727138" y="286872"/>
-            <a:ext cx="1253029" cy="430887"/>
+            <a:off x="9059553" y="286872"/>
+            <a:ext cx="1135297" cy="430887"/>
           </a:xfrm>
           <a:prstGeom prst="rect">
             <a:avLst/>
@@ -4803,8 +4809,8 @@
         </p:nvSpPr>
         <p:spPr>
           <a:xfrm>
-            <a:off x="8124402" y="969115"/>
-            <a:ext cx="1253029" cy="261610"/>
+            <a:off x="8901865" y="1459231"/>
+            <a:ext cx="725337" cy="600164"/>
           </a:xfrm>
           <a:prstGeom prst="rect">
             <a:avLst/>
@@ -4817,9 +4823,24 @@
           </a:bodyPr>
           <a:lstStyle/>
           <a:p>
+            <a:pPr algn="ctr"/>
             <a:r>
               <a:rPr lang="de-DE" sz="1100" dirty="0"/>
-              <a:t>Send Wind Speed</a:t>
+              <a:t>Send </a:t>
+            </a:r>
+          </a:p>
+          <a:p>
+            <a:pPr algn="ctr"/>
+            <a:r>
+              <a:rPr lang="de-DE" sz="1100" dirty="0"/>
+              <a:t>Wind </a:t>
+            </a:r>
+          </a:p>
+          <a:p>
+            <a:pPr algn="ctr"/>
+            <a:r>
+              <a:rPr lang="de-DE" sz="1100" dirty="0"/>
+              <a:t>Speed</a:t>
             </a:r>
           </a:p>
         </p:txBody>
@@ -4828,6 +4849,367 @@
     <p:extLst>
       <p:ext uri="{BB962C8B-B14F-4D97-AF65-F5344CB8AC3E}">
         <p14:creationId xmlns:p14="http://schemas.microsoft.com/office/powerpoint/2010/main" val="1653340"/>
+      </p:ext>
+    </p:extLst>
+  </p:cSld>
+  <p:clrMapOvr>
+    <a:masterClrMapping/>
+  </p:clrMapOvr>
+</p:sld>
+</file>
+
+<file path=ppt/slides/slide2.xml><?xml version="1.0" encoding="utf-8"?>
+<p:sld xmlns:a="http://schemas.openxmlformats.org/drawingml/2006/main" xmlns:r="http://schemas.openxmlformats.org/officeDocument/2006/relationships" xmlns:p="http://schemas.openxmlformats.org/presentationml/2006/main">
+  <p:cSld>
+    <p:spTree>
+      <p:nvGrpSpPr>
+        <p:cNvPr id="1" name=""/>
+        <p:cNvGrpSpPr/>
+        <p:nvPr/>
+      </p:nvGrpSpPr>
+      <p:grpSpPr>
+        <a:xfrm>
+          <a:off x="0" y="0"/>
+          <a:ext cx="0" cy="0"/>
+          <a:chOff x="0" y="0"/>
+          <a:chExt cx="0" cy="0"/>
+        </a:xfrm>
+      </p:grpSpPr>
+      <p:sp>
+        <p:nvSpPr>
+          <p:cNvPr id="2" name="Titel 1">
+            <a:extLst>
+              <a:ext uri="{FF2B5EF4-FFF2-40B4-BE49-F238E27FC236}">
+                <a16:creationId xmlns:a16="http://schemas.microsoft.com/office/drawing/2014/main" id="{12F3ABD9-C0F2-4576-A061-E28ABDC2077A}"/>
+              </a:ext>
+            </a:extLst>
+          </p:cNvPr>
+          <p:cNvSpPr>
+            <a:spLocks noGrp="1"/>
+          </p:cNvSpPr>
+          <p:nvPr>
+            <p:ph type="title"/>
+          </p:nvPr>
+        </p:nvSpPr>
+        <p:spPr>
+          <a:xfrm>
+            <a:off x="513229" y="856129"/>
+            <a:ext cx="11165542" cy="5145741"/>
+          </a:xfrm>
+        </p:spPr>
+        <p:txBody>
+          <a:bodyPr>
+            <a:normAutofit/>
+          </a:bodyPr>
+          <a:lstStyle/>
+          <a:p>
+            <a:r>
+              <a:rPr lang="en-US" dirty="0"/>
+              <a:t>Why was the subsystem chosen?</a:t>
+            </a:r>
+            <a:br>
+              <a:rPr lang="de-DE" sz="1800" dirty="0"/>
+            </a:br>
+            <a:br>
+              <a:rPr lang="de-DE" sz="1800" dirty="0"/>
+            </a:br>
+            <a:br>
+              <a:rPr lang="de-DE" sz="1800" dirty="0"/>
+            </a:br>
+            <a:br>
+              <a:rPr lang="de-DE" sz="1800" dirty="0"/>
+            </a:br>
+            <a:br>
+              <a:rPr lang="de-DE" sz="1800" dirty="0"/>
+            </a:br>
+            <a:br>
+              <a:rPr lang="de-DE" sz="1800" dirty="0"/>
+            </a:br>
+            <a:br>
+              <a:rPr lang="de-DE" sz="1800" dirty="0"/>
+            </a:br>
+            <a:r>
+              <a:rPr lang="de-DE" sz="1800" dirty="0" err="1"/>
+              <a:t>MXChip</a:t>
+            </a:r>
+            <a:r>
+              <a:rPr lang="de-DE" sz="1800" dirty="0"/>
+              <a:t>: </a:t>
+            </a:r>
+            <a:r>
+              <a:rPr lang="de-DE" sz="1800" dirty="0" err="1"/>
+              <a:t>Simulate</a:t>
+            </a:r>
+            <a:r>
+              <a:rPr lang="de-DE" sz="1800" dirty="0"/>
+              <a:t> a </a:t>
+            </a:r>
+            <a:r>
+              <a:rPr lang="de-DE" sz="1800" dirty="0" err="1"/>
+              <a:t>weather</a:t>
+            </a:r>
+            <a:r>
+              <a:rPr lang="de-DE" sz="1800" dirty="0"/>
+              <a:t> </a:t>
+            </a:r>
+            <a:r>
+              <a:rPr lang="de-DE" sz="1800" dirty="0" err="1"/>
+              <a:t>station</a:t>
+            </a:r>
+            <a:r>
+              <a:rPr lang="de-DE" sz="1800" dirty="0"/>
+              <a:t>(Wind </a:t>
+            </a:r>
+            <a:r>
+              <a:rPr lang="de-DE" sz="1800" dirty="0" err="1"/>
+              <a:t>speed</a:t>
+            </a:r>
+            <a:r>
+              <a:rPr lang="de-DE" sz="1800" dirty="0"/>
+              <a:t>, </a:t>
+            </a:r>
+            <a:r>
+              <a:rPr lang="de-DE" sz="1800" dirty="0" err="1"/>
+              <a:t>temperature</a:t>
+            </a:r>
+            <a:r>
+              <a:rPr lang="de-DE" sz="1800" dirty="0"/>
+              <a:t>, </a:t>
+            </a:r>
+            <a:r>
+              <a:rPr lang="de-DE" sz="1800" dirty="0" err="1"/>
+              <a:t>pressure</a:t>
+            </a:r>
+            <a:r>
+              <a:rPr lang="de-DE" sz="1800" dirty="0"/>
+              <a:t>, </a:t>
+            </a:r>
+            <a:r>
+              <a:rPr lang="de-DE" sz="1800" dirty="0" err="1"/>
+              <a:t>direction</a:t>
+            </a:r>
+            <a:r>
+              <a:rPr lang="de-DE" sz="1800" dirty="0"/>
+              <a:t>). Secure device Connection with MQTT Protocol. </a:t>
+            </a:r>
+            <a:br>
+              <a:rPr lang="de-DE" sz="1800" dirty="0"/>
+            </a:br>
+            <a:r>
+              <a:rPr lang="de-DE" sz="1800" dirty="0"/>
+              <a:t>Cloud GW: Device and Cloud 2-Way </a:t>
+            </a:r>
+            <a:r>
+              <a:rPr lang="de-DE" sz="1800" dirty="0" err="1"/>
+              <a:t>communication</a:t>
+            </a:r>
+            <a:r>
+              <a:rPr lang="de-DE" sz="1800" dirty="0"/>
+              <a:t>.</a:t>
+            </a:r>
+            <a:br>
+              <a:rPr lang="de-DE" sz="1800" dirty="0"/>
+            </a:br>
+            <a:r>
+              <a:rPr lang="de-DE" sz="1800" dirty="0"/>
+              <a:t>Stream Processing: </a:t>
+            </a:r>
+            <a:r>
+              <a:rPr lang="de-DE" sz="1800" dirty="0" err="1"/>
+              <a:t>Process</a:t>
+            </a:r>
+            <a:r>
+              <a:rPr lang="de-DE" sz="1800" dirty="0"/>
+              <a:t> and </a:t>
+            </a:r>
+            <a:r>
+              <a:rPr lang="de-DE" sz="1800" dirty="0" err="1"/>
+              <a:t>redirect</a:t>
+            </a:r>
+            <a:r>
+              <a:rPr lang="de-DE" sz="1800" dirty="0"/>
+              <a:t> </a:t>
+            </a:r>
+            <a:r>
+              <a:rPr lang="de-DE" sz="1800" dirty="0" err="1"/>
+              <a:t>incoming</a:t>
+            </a:r>
+            <a:r>
+              <a:rPr lang="de-DE" sz="1800" dirty="0"/>
+              <a:t> </a:t>
+            </a:r>
+            <a:r>
+              <a:rPr lang="de-DE" sz="1800" dirty="0" err="1"/>
+              <a:t>data</a:t>
+            </a:r>
+            <a:r>
+              <a:rPr lang="de-DE" sz="1800" dirty="0"/>
+              <a:t> </a:t>
+            </a:r>
+            <a:r>
+              <a:rPr lang="de-DE" sz="1800" dirty="0" err="1"/>
+              <a:t>from</a:t>
+            </a:r>
+            <a:r>
+              <a:rPr lang="de-DE" sz="1800" dirty="0"/>
+              <a:t> </a:t>
+            </a:r>
+            <a:r>
+              <a:rPr lang="de-DE" sz="1800" dirty="0" err="1"/>
+              <a:t>Weather</a:t>
+            </a:r>
+            <a:r>
+              <a:rPr lang="de-DE" sz="1800" dirty="0"/>
+              <a:t> Station.</a:t>
+            </a:r>
+            <a:br>
+              <a:rPr lang="de-DE" sz="1800" dirty="0"/>
+            </a:br>
+            <a:r>
+              <a:rPr lang="de-DE" sz="1800" dirty="0"/>
+              <a:t>Data Lake Store : Device </a:t>
+            </a:r>
+            <a:r>
+              <a:rPr lang="de-DE" sz="1800" dirty="0" err="1"/>
+              <a:t>telemetry</a:t>
+            </a:r>
+            <a:r>
+              <a:rPr lang="de-DE" sz="1800" dirty="0"/>
+              <a:t> </a:t>
+            </a:r>
+            <a:r>
+              <a:rPr lang="de-DE" sz="1800" dirty="0" err="1"/>
+              <a:t>data</a:t>
+            </a:r>
+            <a:r>
+              <a:rPr lang="de-DE" sz="1800" dirty="0"/>
+              <a:t> -&gt; </a:t>
+            </a:r>
+            <a:r>
+              <a:rPr lang="de-DE" sz="1800" dirty="0" err="1"/>
+              <a:t>long</a:t>
+            </a:r>
+            <a:r>
+              <a:rPr lang="de-DE" sz="1800" dirty="0"/>
+              <a:t>-term </a:t>
+            </a:r>
+            <a:r>
+              <a:rPr lang="de-DE" sz="1800" dirty="0" err="1"/>
+              <a:t>storage</a:t>
+            </a:r>
+            <a:r>
+              <a:rPr lang="de-DE" sz="1800" dirty="0"/>
+              <a:t> </a:t>
+            </a:r>
+            <a:r>
+              <a:rPr lang="de-DE" sz="1800" dirty="0" err="1"/>
+              <a:t>for</a:t>
+            </a:r>
+            <a:r>
+              <a:rPr lang="de-DE" sz="1800" dirty="0"/>
+              <a:t> </a:t>
+            </a:r>
+            <a:r>
+              <a:rPr lang="de-DE" sz="1800" dirty="0" err="1"/>
+              <a:t>analysis</a:t>
+            </a:r>
+            <a:r>
+              <a:rPr lang="de-DE" sz="1800" dirty="0"/>
+              <a:t>. (</a:t>
+            </a:r>
+            <a:r>
+              <a:rPr lang="de-DE" sz="1800" dirty="0" err="1"/>
+              <a:t>Cheap</a:t>
+            </a:r>
+            <a:r>
+              <a:rPr lang="de-DE" sz="1800" dirty="0"/>
+              <a:t>)</a:t>
+            </a:r>
+            <a:br>
+              <a:rPr lang="de-DE" sz="1800" dirty="0"/>
+            </a:br>
+            <a:r>
+              <a:rPr lang="de-DE" sz="1800" dirty="0"/>
+              <a:t>Data Lake Analytics: </a:t>
+            </a:r>
+            <a:r>
+              <a:rPr lang="de-DE" sz="1800" dirty="0" err="1"/>
+              <a:t>To</a:t>
+            </a:r>
+            <a:r>
+              <a:rPr lang="de-DE" sz="1800" dirty="0"/>
+              <a:t> </a:t>
+            </a:r>
+            <a:r>
+              <a:rPr lang="de-DE" sz="1800" dirty="0" err="1"/>
+              <a:t>calculate</a:t>
+            </a:r>
+            <a:r>
+              <a:rPr lang="de-DE" sz="1800" dirty="0"/>
+              <a:t> </a:t>
+            </a:r>
+            <a:r>
+              <a:rPr lang="de-DE" sz="1800" dirty="0" err="1"/>
+              <a:t>the</a:t>
+            </a:r>
+            <a:r>
+              <a:rPr lang="de-DE" sz="1800" dirty="0"/>
+              <a:t> </a:t>
+            </a:r>
+            <a:r>
+              <a:rPr lang="de-DE" sz="1800" dirty="0" err="1"/>
+              <a:t>averange</a:t>
+            </a:r>
+            <a:r>
+              <a:rPr lang="de-DE" sz="1800" dirty="0"/>
+              <a:t>. </a:t>
+            </a:r>
+            <a:br>
+              <a:rPr lang="de-DE" sz="1800" dirty="0"/>
+            </a:br>
+            <a:r>
+              <a:rPr lang="de-DE" sz="1800" dirty="0" err="1"/>
+              <a:t>Function</a:t>
+            </a:r>
+            <a:r>
+              <a:rPr lang="de-DE" sz="1800" dirty="0"/>
+              <a:t> APP: </a:t>
+            </a:r>
+            <a:r>
+              <a:rPr lang="de-DE" sz="1800" dirty="0" err="1"/>
+              <a:t>Receive</a:t>
+            </a:r>
+            <a:r>
+              <a:rPr lang="de-DE" sz="1800" dirty="0"/>
+              <a:t> Wind Speed / Send </a:t>
+            </a:r>
+            <a:r>
+              <a:rPr lang="de-DE" sz="1800" dirty="0" err="1"/>
+              <a:t>the</a:t>
+            </a:r>
+            <a:r>
+              <a:rPr lang="de-DE" sz="1800" dirty="0"/>
+              <a:t> </a:t>
+            </a:r>
+            <a:r>
+              <a:rPr lang="de-DE" sz="1800" dirty="0" err="1"/>
+              <a:t>changed</a:t>
+            </a:r>
+            <a:r>
+              <a:rPr lang="de-DE" sz="1800" dirty="0"/>
+              <a:t> Device Twin.</a:t>
+            </a:r>
+            <a:br>
+              <a:rPr lang="de-DE" sz="1800" dirty="0"/>
+            </a:br>
+            <a:endParaRPr lang="de-DE" sz="1800" dirty="0"/>
+          </a:p>
+        </p:txBody>
+      </p:sp>
+    </p:spTree>
+    <p:extLst>
+      <p:ext uri="{BB962C8B-B14F-4D97-AF65-F5344CB8AC3E}">
+        <p14:creationId xmlns:p14="http://schemas.microsoft.com/office/powerpoint/2010/main" val="4022431277"/>
       </p:ext>
     </p:extLst>
   </p:cSld>
